--- a/plot/群落區塊圖.pptx
+++ b/plot/群落區塊圖.pptx
@@ -244,7 +244,7 @@
           <a:p>
             <a:fld id="{2B5942D9-91BD-46CE-BE7A-0087E522FCC4}" type="datetimeFigureOut">
               <a:rPr lang="zh-TW" altLang="en-US" smtClean="0"/>
-              <a:t>2024/5/9</a:t>
+              <a:t>2024/6/7</a:t>
             </a:fld>
             <a:endParaRPr lang="zh-TW" altLang="en-US"/>
           </a:p>
@@ -414,7 +414,7 @@
           <a:p>
             <a:fld id="{2B5942D9-91BD-46CE-BE7A-0087E522FCC4}" type="datetimeFigureOut">
               <a:rPr lang="zh-TW" altLang="en-US" smtClean="0"/>
-              <a:t>2024/5/9</a:t>
+              <a:t>2024/6/7</a:t>
             </a:fld>
             <a:endParaRPr lang="zh-TW" altLang="en-US"/>
           </a:p>
@@ -594,7 +594,7 @@
           <a:p>
             <a:fld id="{2B5942D9-91BD-46CE-BE7A-0087E522FCC4}" type="datetimeFigureOut">
               <a:rPr lang="zh-TW" altLang="en-US" smtClean="0"/>
-              <a:t>2024/5/9</a:t>
+              <a:t>2024/6/7</a:t>
             </a:fld>
             <a:endParaRPr lang="zh-TW" altLang="en-US"/>
           </a:p>
@@ -764,7 +764,7 @@
           <a:p>
             <a:fld id="{2B5942D9-91BD-46CE-BE7A-0087E522FCC4}" type="datetimeFigureOut">
               <a:rPr lang="zh-TW" altLang="en-US" smtClean="0"/>
-              <a:t>2024/5/9</a:t>
+              <a:t>2024/6/7</a:t>
             </a:fld>
             <a:endParaRPr lang="zh-TW" altLang="en-US"/>
           </a:p>
@@ -1008,7 +1008,7 @@
           <a:p>
             <a:fld id="{2B5942D9-91BD-46CE-BE7A-0087E522FCC4}" type="datetimeFigureOut">
               <a:rPr lang="zh-TW" altLang="en-US" smtClean="0"/>
-              <a:t>2024/5/9</a:t>
+              <a:t>2024/6/7</a:t>
             </a:fld>
             <a:endParaRPr lang="zh-TW" altLang="en-US"/>
           </a:p>
@@ -1240,7 +1240,7 @@
           <a:p>
             <a:fld id="{2B5942D9-91BD-46CE-BE7A-0087E522FCC4}" type="datetimeFigureOut">
               <a:rPr lang="zh-TW" altLang="en-US" smtClean="0"/>
-              <a:t>2024/5/9</a:t>
+              <a:t>2024/6/7</a:t>
             </a:fld>
             <a:endParaRPr lang="zh-TW" altLang="en-US"/>
           </a:p>
@@ -1607,7 +1607,7 @@
           <a:p>
             <a:fld id="{2B5942D9-91BD-46CE-BE7A-0087E522FCC4}" type="datetimeFigureOut">
               <a:rPr lang="zh-TW" altLang="en-US" smtClean="0"/>
-              <a:t>2024/5/9</a:t>
+              <a:t>2024/6/7</a:t>
             </a:fld>
             <a:endParaRPr lang="zh-TW" altLang="en-US"/>
           </a:p>
@@ -1725,7 +1725,7 @@
           <a:p>
             <a:fld id="{2B5942D9-91BD-46CE-BE7A-0087E522FCC4}" type="datetimeFigureOut">
               <a:rPr lang="zh-TW" altLang="en-US" smtClean="0"/>
-              <a:t>2024/5/9</a:t>
+              <a:t>2024/6/7</a:t>
             </a:fld>
             <a:endParaRPr lang="zh-TW" altLang="en-US"/>
           </a:p>
@@ -1820,7 +1820,7 @@
           <a:p>
             <a:fld id="{2B5942D9-91BD-46CE-BE7A-0087E522FCC4}" type="datetimeFigureOut">
               <a:rPr lang="zh-TW" altLang="en-US" smtClean="0"/>
-              <a:t>2024/5/9</a:t>
+              <a:t>2024/6/7</a:t>
             </a:fld>
             <a:endParaRPr lang="zh-TW" altLang="en-US"/>
           </a:p>
@@ -2097,7 +2097,7 @@
           <a:p>
             <a:fld id="{2B5942D9-91BD-46CE-BE7A-0087E522FCC4}" type="datetimeFigureOut">
               <a:rPr lang="zh-TW" altLang="en-US" smtClean="0"/>
-              <a:t>2024/5/9</a:t>
+              <a:t>2024/6/7</a:t>
             </a:fld>
             <a:endParaRPr lang="zh-TW" altLang="en-US"/>
           </a:p>
@@ -2354,7 +2354,7 @@
           <a:p>
             <a:fld id="{2B5942D9-91BD-46CE-BE7A-0087E522FCC4}" type="datetimeFigureOut">
               <a:rPr lang="zh-TW" altLang="en-US" smtClean="0"/>
-              <a:t>2024/5/9</a:t>
+              <a:t>2024/6/7</a:t>
             </a:fld>
             <a:endParaRPr lang="zh-TW" altLang="en-US"/>
           </a:p>
@@ -2567,7 +2567,7 @@
           <a:p>
             <a:fld id="{2B5942D9-91BD-46CE-BE7A-0087E522FCC4}" type="datetimeFigureOut">
               <a:rPr lang="zh-TW" altLang="en-US" smtClean="0"/>
-              <a:t>2024/5/9</a:t>
+              <a:t>2024/6/7</a:t>
             </a:fld>
             <a:endParaRPr lang="zh-TW" altLang="en-US"/>
           </a:p>
@@ -3040,8 +3040,8 @@
             </a:p>
           </p:txBody>
         </p:sp>
-        <mc:AlternateContent xmlns:mc="http://schemas.openxmlformats.org/markup-compatibility/2006">
-          <mc:Choice xmlns:a14="http://schemas.microsoft.com/office/drawing/2010/main" Requires="a14">
+        <mc:AlternateContent xmlns:mc="http://schemas.openxmlformats.org/markup-compatibility/2006" xmlns:a14="http://schemas.microsoft.com/office/drawing/2010/main">
+          <mc:Choice Requires="a14">
             <p:sp>
               <p:nvSpPr>
                 <p:cNvPr id="7" name="文字方塊 6">
@@ -3110,7 +3110,7 @@
               </p:txBody>
             </p:sp>
           </mc:Choice>
-          <mc:Fallback>
+          <mc:Fallback xmlns="">
             <p:sp>
               <p:nvSpPr>
                 <p:cNvPr id="7" name="文字方塊 6">
@@ -3176,8 +3176,8 @@
             <a:chExt cx="3063297" cy="4157735"/>
           </a:xfrm>
         </p:grpSpPr>
-        <mc:AlternateContent xmlns:mc="http://schemas.openxmlformats.org/markup-compatibility/2006">
-          <mc:Choice xmlns:a14="http://schemas.microsoft.com/office/drawing/2010/main" Requires="a14">
+        <mc:AlternateContent xmlns:mc="http://schemas.openxmlformats.org/markup-compatibility/2006" xmlns:a14="http://schemas.microsoft.com/office/drawing/2010/main">
+          <mc:Choice Requires="a14">
             <p:sp>
               <p:nvSpPr>
                 <p:cNvPr id="4" name="矩形 3">
@@ -3304,7 +3304,7 @@
               </p:txBody>
             </p:sp>
           </mc:Choice>
-          <mc:Fallback>
+          <mc:Fallback xmlns="">
             <p:sp>
               <p:nvSpPr>
                 <p:cNvPr id="4" name="矩形 3">
@@ -3352,8 +3352,8 @@
             </p:sp>
           </mc:Fallback>
         </mc:AlternateContent>
-        <mc:AlternateContent xmlns:mc="http://schemas.openxmlformats.org/markup-compatibility/2006">
-          <mc:Choice xmlns:a14="http://schemas.microsoft.com/office/drawing/2010/main" Requires="a14">
+        <mc:AlternateContent xmlns:mc="http://schemas.openxmlformats.org/markup-compatibility/2006" xmlns:a14="http://schemas.microsoft.com/office/drawing/2010/main">
+          <mc:Choice Requires="a14">
             <p:sp>
               <p:nvSpPr>
                 <p:cNvPr id="6" name="矩形 5">
@@ -3484,7 +3484,7 @@
               </p:txBody>
             </p:sp>
           </mc:Choice>
-          <mc:Fallback>
+          <mc:Fallback xmlns="">
             <p:sp>
               <p:nvSpPr>
                 <p:cNvPr id="6" name="矩形 5">
@@ -3791,58 +3791,6 @@
                                 </a:solidFill>
                                 <a:latin typeface="Cambria Math" panose="02040503050406030204" pitchFamily="18" charset="0"/>
                               </a:rPr>
-                              <m:t>+</m:t>
-                            </m:r>
-                            <m:r>
-                              <a:rPr lang="en-US" altLang="zh-TW" sz="1400" b="1" i="1" smtClean="0">
-                                <a:solidFill>
-                                  <a:schemeClr val="tx1"/>
-                                </a:solidFill>
-                                <a:latin typeface="Cambria Math" panose="02040503050406030204" pitchFamily="18" charset="0"/>
-                              </a:rPr>
-                              <m:t>𝟎</m:t>
-                            </m:r>
-                          </m:sub>
-                        </m:sSub>
-                        <m:r>
-                          <a:rPr lang="en-US" altLang="zh-TW" sz="1400" b="1" i="1" smtClean="0">
-                            <a:solidFill>
-                              <a:schemeClr val="tx1"/>
-                            </a:solidFill>
-                            <a:latin typeface="Cambria Math" panose="02040503050406030204" pitchFamily="18" charset="0"/>
-                          </a:rPr>
-                          <m:t>−</m:t>
-                        </m:r>
-                        <m:sSub>
-                          <m:sSubPr>
-                            <m:ctrlPr>
-                              <a:rPr lang="en-US" altLang="zh-TW" sz="1400" b="1" i="1" smtClean="0">
-                                <a:solidFill>
-                                  <a:schemeClr val="tx1"/>
-                                </a:solidFill>
-                                <a:latin typeface="Cambria Math" panose="02040503050406030204" pitchFamily="18" charset="0"/>
-                              </a:rPr>
-                            </m:ctrlPr>
-                          </m:sSubPr>
-                          <m:e>
-                            <m:r>
-                              <a:rPr lang="en-US" altLang="zh-TW" sz="1400" b="1" i="1" smtClean="0">
-                                <a:solidFill>
-                                  <a:schemeClr val="tx1"/>
-                                </a:solidFill>
-                                <a:latin typeface="Cambria Math" panose="02040503050406030204" pitchFamily="18" charset="0"/>
-                              </a:rPr>
-                              <m:t>𝑸</m:t>
-                            </m:r>
-                          </m:e>
-                          <m:sub>
-                            <m:r>
-                              <a:rPr lang="en-US" altLang="zh-TW" sz="1400" b="1" i="1" smtClean="0">
-                                <a:solidFill>
-                                  <a:schemeClr val="tx1"/>
-                                </a:solidFill>
-                                <a:latin typeface="Cambria Math" panose="02040503050406030204" pitchFamily="18" charset="0"/>
-                              </a:rPr>
                               <m:t>𝟎𝟎</m:t>
                             </m:r>
                           </m:sub>
@@ -3972,8 +3920,8 @@
               </a:p>
             </p:txBody>
           </p:sp>
-          <mc:AlternateContent xmlns:mc="http://schemas.openxmlformats.org/markup-compatibility/2006">
-            <mc:Choice xmlns:a14="http://schemas.microsoft.com/office/drawing/2010/main" Requires="a14">
+          <mc:AlternateContent xmlns:mc="http://schemas.openxmlformats.org/markup-compatibility/2006" xmlns:a14="http://schemas.microsoft.com/office/drawing/2010/main">
+            <mc:Choice Requires="a14">
               <p:sp>
                 <p:nvSpPr>
                   <p:cNvPr id="22" name="文字方塊 21">
@@ -4073,7 +4021,7 @@
                 </p:txBody>
               </p:sp>
             </mc:Choice>
-            <mc:Fallback>
+            <mc:Fallback xmlns="">
               <p:sp>
                 <p:nvSpPr>
                   <p:cNvPr id="22" name="文字方塊 21">
@@ -4207,8 +4155,8 @@
                 </a:p>
               </p:txBody>
             </p:sp>
-            <mc:AlternateContent xmlns:mc="http://schemas.openxmlformats.org/markup-compatibility/2006">
-              <mc:Choice xmlns:a14="http://schemas.microsoft.com/office/drawing/2010/main" Requires="a14">
+            <mc:AlternateContent xmlns:mc="http://schemas.openxmlformats.org/markup-compatibility/2006" xmlns:a14="http://schemas.microsoft.com/office/drawing/2010/main">
+              <mc:Choice Requires="a14">
                 <p:sp>
                   <p:nvSpPr>
                     <p:cNvPr id="19" name="文字方塊 18">
@@ -4277,7 +4225,7 @@
                   </p:txBody>
                 </p:sp>
               </mc:Choice>
-              <mc:Fallback>
+              <mc:Fallback xmlns="">
                 <p:sp>
                   <p:nvSpPr>
                     <p:cNvPr id="19" name="文字方塊 18">
@@ -4395,8 +4343,8 @@
                 </a:p>
               </p:txBody>
             </p:sp>
-            <mc:AlternateContent xmlns:mc="http://schemas.openxmlformats.org/markup-compatibility/2006">
-              <mc:Choice xmlns:a14="http://schemas.microsoft.com/office/drawing/2010/main" Requires="a14">
+            <mc:AlternateContent xmlns:mc="http://schemas.openxmlformats.org/markup-compatibility/2006" xmlns:a14="http://schemas.microsoft.com/office/drawing/2010/main">
+              <mc:Choice Requires="a14">
                 <p:sp>
                   <p:nvSpPr>
                     <p:cNvPr id="27" name="文字方塊 26">
@@ -4496,7 +4444,7 @@
                   </p:txBody>
                 </p:sp>
               </mc:Choice>
-              <mc:Fallback>
+              <mc:Fallback xmlns="">
                 <p:sp>
                   <p:nvSpPr>
                     <p:cNvPr id="27" name="文字方塊 26">
@@ -4563,8 +4511,8 @@
               <a:chExt cx="3312001" cy="962101"/>
             </a:xfrm>
           </p:grpSpPr>
-          <mc:AlternateContent xmlns:mc="http://schemas.openxmlformats.org/markup-compatibility/2006">
-            <mc:Choice xmlns:a14="http://schemas.microsoft.com/office/drawing/2010/main" Requires="a14">
+          <mc:AlternateContent xmlns:mc="http://schemas.openxmlformats.org/markup-compatibility/2006" xmlns:a14="http://schemas.microsoft.com/office/drawing/2010/main">
+            <mc:Choice Requires="a14">
               <p:sp>
                 <p:nvSpPr>
                   <p:cNvPr id="30" name="矩形 29">
@@ -4674,7 +4622,7 @@
                 </p:txBody>
               </p:sp>
             </mc:Choice>
-            <mc:Fallback>
+            <mc:Fallback xmlns="">
               <p:sp>
                 <p:nvSpPr>
                   <p:cNvPr id="30" name="矩形 29">
@@ -4743,8 +4691,8 @@
                 <a:chExt cx="1658680" cy="930863"/>
               </a:xfrm>
             </p:grpSpPr>
-            <mc:AlternateContent xmlns:mc="http://schemas.openxmlformats.org/markup-compatibility/2006">
-              <mc:Choice xmlns:a14="http://schemas.microsoft.com/office/drawing/2010/main" Requires="a14">
+            <mc:AlternateContent xmlns:mc="http://schemas.openxmlformats.org/markup-compatibility/2006" xmlns:a14="http://schemas.microsoft.com/office/drawing/2010/main">
+              <mc:Choice Requires="a14">
                 <p:sp>
                   <p:nvSpPr>
                     <p:cNvPr id="6" name="矩形 5">
@@ -4854,7 +4802,7 @@
                   </p:txBody>
                 </p:sp>
               </mc:Choice>
-              <mc:Fallback>
+              <mc:Fallback xmlns="">
                 <p:sp>
                   <p:nvSpPr>
                     <p:cNvPr id="6" name="矩形 5">
@@ -5073,88 +5021,174 @@
                   <a:p>
                     <a:pPr algn="ctr"/>
                     <a14:m>
-                      <m:oMathPara xmlns:m="http://schemas.openxmlformats.org/officeDocument/2006/math">
-                        <m:oMathParaPr>
-                          <m:jc m:val="centerGroup"/>
-                        </m:oMathParaPr>
-                        <m:oMath xmlns:m="http://schemas.openxmlformats.org/officeDocument/2006/math">
-                          <m:sSub>
-                            <m:sSubPr>
-                              <m:ctrlPr>
-                                <a:rPr lang="en-US" altLang="zh-TW" b="1" i="1" smtClean="0">
-                                  <a:latin typeface="Cambria Math" panose="02040503050406030204" pitchFamily="18" charset="0"/>
-                                </a:rPr>
-                              </m:ctrlPr>
-                            </m:sSubPr>
-                            <m:e>
-                              <m:r>
-                                <a:rPr lang="en-US" altLang="zh-TW" b="1" i="1" smtClean="0">
-                                  <a:latin typeface="Cambria Math" panose="02040503050406030204" pitchFamily="18" charset="0"/>
-                                </a:rPr>
-                                <m:t>𝑺</m:t>
-                              </m:r>
-                            </m:e>
-                            <m:sub>
-                              <m:r>
-                                <a:rPr lang="en-US" altLang="zh-TW" b="1" i="1" smtClean="0">
-                                  <a:latin typeface="Cambria Math" panose="02040503050406030204" pitchFamily="18" charset="0"/>
-                                </a:rPr>
-                                <m:t>𝒐𝒃𝒔</m:t>
-                              </m:r>
-                              <m:d>
-                                <m:dPr>
-                                  <m:ctrlPr>
-                                    <a:rPr lang="en-US" altLang="zh-TW" b="1" i="1" smtClean="0">
-                                      <a:latin typeface="Cambria Math" panose="02040503050406030204" pitchFamily="18" charset="0"/>
-                                    </a:rPr>
-                                  </m:ctrlPr>
-                                </m:dPr>
-                                <m:e>
-                                  <m:r>
-                                    <a:rPr lang="en-US" altLang="zh-TW" b="1" i="1" smtClean="0">
-                                      <a:latin typeface="Cambria Math" panose="02040503050406030204" pitchFamily="18" charset="0"/>
-                                    </a:rPr>
-                                    <m:t>𝟏</m:t>
-                                  </m:r>
-                                </m:e>
-                              </m:d>
-                            </m:sub>
-                          </m:sSub>
-                          <m:r>
-                            <a:rPr lang="en-US" altLang="zh-TW" b="1" i="1" smtClean="0">
-                              <a:latin typeface="Cambria Math" panose="02040503050406030204" pitchFamily="18" charset="0"/>
-                            </a:rPr>
-                            <m:t>−</m:t>
-                          </m:r>
-                          <m:sSub>
-                            <m:sSubPr>
-                              <m:ctrlPr>
-                                <a:rPr lang="en-US" altLang="zh-TW" b="1" i="1" smtClean="0">
-                                  <a:latin typeface="Cambria Math" panose="02040503050406030204" pitchFamily="18" charset="0"/>
-                                </a:rPr>
-                              </m:ctrlPr>
-                            </m:sSubPr>
-                            <m:e>
-                              <m:r>
-                                <a:rPr lang="en-US" altLang="zh-TW" b="1" i="1" smtClean="0">
-                                  <a:latin typeface="Cambria Math" panose="02040503050406030204" pitchFamily="18" charset="0"/>
-                                </a:rPr>
-                                <m:t>𝑫</m:t>
-                              </m:r>
-                            </m:e>
-                            <m:sub>
-                              <m:r>
-                                <a:rPr lang="en-US" altLang="zh-TW" b="1" i="1" smtClean="0">
-                                  <a:latin typeface="Cambria Math" panose="02040503050406030204" pitchFamily="18" charset="0"/>
-                                </a:rPr>
-                                <m:t>𝟏𝟐</m:t>
-                              </m:r>
-                            </m:sub>
-                          </m:sSub>
-                        </m:oMath>
-                      </m:oMathPara>
+                      <m:oMath xmlns:m="http://schemas.openxmlformats.org/officeDocument/2006/math">
+                        <m:sSub>
+                          <m:sSubPr>
+                            <m:ctrlPr>
+                              <a:rPr lang="en-US" altLang="zh-TW" sz="1300" b="1" i="1" smtClean="0">
+                                <a:solidFill>
+                                  <a:schemeClr val="bg1"/>
+                                </a:solidFill>
+                                <a:latin typeface="Cambria Math" panose="02040503050406030204" pitchFamily="18" charset="0"/>
+                              </a:rPr>
+                            </m:ctrlPr>
+                          </m:sSubPr>
+                          <m:e>
+                            <m:r>
+                              <a:rPr lang="en-US" altLang="zh-TW" sz="1300" b="1" i="1" smtClean="0">
+                                <a:solidFill>
+                                  <a:schemeClr val="bg1"/>
+                                </a:solidFill>
+                                <a:latin typeface="Cambria Math" panose="02040503050406030204" pitchFamily="18" charset="0"/>
+                              </a:rPr>
+                              <m:t>𝑺</m:t>
+                            </m:r>
+                          </m:e>
+                          <m:sub>
+                            <m:r>
+                              <a:rPr lang="en-US" altLang="zh-TW" sz="1300" b="1" i="1" smtClean="0">
+                                <a:solidFill>
+                                  <a:schemeClr val="bg1"/>
+                                </a:solidFill>
+                                <a:latin typeface="Cambria Math" panose="02040503050406030204" pitchFamily="18" charset="0"/>
+                              </a:rPr>
+                              <m:t>𝒐𝒃𝒔</m:t>
+                            </m:r>
+                            <m:d>
+                              <m:dPr>
+                                <m:ctrlPr>
+                                  <a:rPr lang="en-US" altLang="zh-TW" sz="1300" b="1" i="1" smtClean="0">
+                                    <a:solidFill>
+                                      <a:schemeClr val="bg1"/>
+                                    </a:solidFill>
+                                    <a:latin typeface="Cambria Math" panose="02040503050406030204" pitchFamily="18" charset="0"/>
+                                  </a:rPr>
+                                </m:ctrlPr>
+                              </m:dPr>
+                              <m:e>
+                                <m:r>
+                                  <a:rPr lang="en-US" altLang="zh-TW" sz="1300" b="1" i="1" smtClean="0">
+                                    <a:solidFill>
+                                      <a:schemeClr val="bg1"/>
+                                    </a:solidFill>
+                                    <a:latin typeface="Cambria Math" panose="02040503050406030204" pitchFamily="18" charset="0"/>
+                                  </a:rPr>
+                                  <m:t>𝟏</m:t>
+                                </m:r>
+                              </m:e>
+                            </m:d>
+                          </m:sub>
+                        </m:sSub>
+                        <m:r>
+                          <a:rPr lang="en-US" altLang="zh-TW" sz="1300" b="1" i="1" smtClean="0">
+                            <a:solidFill>
+                              <a:schemeClr val="bg1"/>
+                            </a:solidFill>
+                            <a:latin typeface="Cambria Math" panose="02040503050406030204" pitchFamily="18" charset="0"/>
+                          </a:rPr>
+                          <m:t>−</m:t>
+                        </m:r>
+                        <m:sSub>
+                          <m:sSubPr>
+                            <m:ctrlPr>
+                              <a:rPr lang="en-US" altLang="zh-TW" sz="1300" b="1" i="1" smtClean="0">
+                                <a:solidFill>
+                                  <a:schemeClr val="bg1"/>
+                                </a:solidFill>
+                                <a:latin typeface="Cambria Math" panose="02040503050406030204" pitchFamily="18" charset="0"/>
+                              </a:rPr>
+                            </m:ctrlPr>
+                          </m:sSubPr>
+                          <m:e>
+                            <m:r>
+                              <a:rPr lang="en-US" altLang="zh-TW" sz="1300" b="1" i="1" smtClean="0">
+                                <a:solidFill>
+                                  <a:schemeClr val="bg1"/>
+                                </a:solidFill>
+                                <a:latin typeface="Cambria Math" panose="02040503050406030204" pitchFamily="18" charset="0"/>
+                              </a:rPr>
+                              <m:t>𝑫</m:t>
+                            </m:r>
+                          </m:e>
+                          <m:sub>
+                            <m:r>
+                              <a:rPr lang="en-US" altLang="zh-TW" sz="1300" b="1" i="1" smtClean="0">
+                                <a:solidFill>
+                                  <a:schemeClr val="bg1"/>
+                                </a:solidFill>
+                                <a:latin typeface="Cambria Math" panose="02040503050406030204" pitchFamily="18" charset="0"/>
+                              </a:rPr>
+                              <m:t>𝟏𝟐</m:t>
+                            </m:r>
+                          </m:sub>
+                        </m:sSub>
+                      </m:oMath>
                     </a14:m>
-                    <a:endParaRPr lang="zh-TW" altLang="en-US" b="1" dirty="0"/>
+                    <a:r>
+                      <a:rPr lang="en-US" altLang="zh-TW" sz="1300" b="1" dirty="0">
+                        <a:solidFill>
+                          <a:schemeClr val="bg1"/>
+                        </a:solidFill>
+                      </a:rPr>
+                      <a:t> </a:t>
+                    </a:r>
+                    <a14:m>
+                      <m:oMath xmlns:m="http://schemas.openxmlformats.org/officeDocument/2006/math">
+                        <m:r>
+                          <a:rPr lang="en-US" altLang="zh-TW" sz="1300" b="1" i="1">
+                            <a:solidFill>
+                              <a:schemeClr val="bg1"/>
+                            </a:solidFill>
+                            <a:latin typeface="Cambria Math" panose="02040503050406030204" pitchFamily="18" charset="0"/>
+                          </a:rPr>
+                          <m:t>−</m:t>
+                        </m:r>
+                        <m:sSub>
+                          <m:sSubPr>
+                            <m:ctrlPr>
+                              <a:rPr lang="en-US" altLang="zh-TW" sz="1300" b="1" i="1">
+                                <a:solidFill>
+                                  <a:schemeClr val="bg1"/>
+                                </a:solidFill>
+                                <a:latin typeface="Cambria Math" panose="02040503050406030204" pitchFamily="18" charset="0"/>
+                              </a:rPr>
+                            </m:ctrlPr>
+                          </m:sSubPr>
+                          <m:e>
+                            <m:r>
+                              <a:rPr lang="en-US" altLang="zh-TW" sz="1300" b="1" i="1">
+                                <a:solidFill>
+                                  <a:schemeClr val="bg1"/>
+                                </a:solidFill>
+                                <a:latin typeface="Cambria Math" panose="02040503050406030204" pitchFamily="18" charset="0"/>
+                              </a:rPr>
+                              <m:t>𝑸</m:t>
+                            </m:r>
+                          </m:e>
+                          <m:sub>
+                            <m:r>
+                              <a:rPr lang="en-US" altLang="zh-TW" sz="1300" b="1" i="1">
+                                <a:solidFill>
+                                  <a:schemeClr val="bg1"/>
+                                </a:solidFill>
+                                <a:latin typeface="Cambria Math" panose="02040503050406030204" pitchFamily="18" charset="0"/>
+                              </a:rPr>
+                              <m:t>+</m:t>
+                            </m:r>
+                            <m:r>
+                              <a:rPr lang="en-US" altLang="zh-TW" sz="1300" b="1" i="1">
+                                <a:solidFill>
+                                  <a:schemeClr val="bg1"/>
+                                </a:solidFill>
+                                <a:latin typeface="Cambria Math" panose="02040503050406030204" pitchFamily="18" charset="0"/>
+                              </a:rPr>
+                              <m:t>𝟎</m:t>
+                            </m:r>
+                          </m:sub>
+                        </m:sSub>
+                      </m:oMath>
+                    </a14:m>
+                    <a:endParaRPr lang="zh-TW" altLang="en-US" sz="1300" b="1" dirty="0"/>
                   </a:p>
                 </p:txBody>
               </p:sp>
@@ -5276,8 +5310,8 @@
               <a:chExt cx="3312000" cy="514392"/>
             </a:xfrm>
           </p:grpSpPr>
-          <mc:AlternateContent xmlns:mc="http://schemas.openxmlformats.org/markup-compatibility/2006">
-            <mc:Choice xmlns:a14="http://schemas.microsoft.com/office/drawing/2010/main" Requires="a14">
+          <mc:AlternateContent xmlns:mc="http://schemas.openxmlformats.org/markup-compatibility/2006" xmlns:a14="http://schemas.microsoft.com/office/drawing/2010/main">
+            <mc:Choice Requires="a14">
               <p:sp>
                 <p:nvSpPr>
                   <p:cNvPr id="37" name="矩形 36">
@@ -5382,7 +5416,7 @@
                 </p:txBody>
               </p:sp>
             </mc:Choice>
-            <mc:Fallback>
+            <mc:Fallback xmlns="">
               <p:sp>
                 <p:nvSpPr>
                   <p:cNvPr id="37" name="矩形 36">
@@ -5633,58 +5667,6 @@
                           </m:e>
                           <m:sub>
                             <m:r>
-                              <a:rPr lang="en-US" altLang="zh-TW" sz="1400" b="1" i="1" smtClean="0">
-                                <a:solidFill>
-                                  <a:schemeClr val="tx1"/>
-                                </a:solidFill>
-                                <a:latin typeface="Cambria Math" panose="02040503050406030204" pitchFamily="18" charset="0"/>
-                              </a:rPr>
-                              <m:t>𝟎</m:t>
-                            </m:r>
-                            <m:r>
-                              <a:rPr lang="en-US" altLang="zh-TW" sz="1400" b="1" i="1">
-                                <a:solidFill>
-                                  <a:schemeClr val="tx1"/>
-                                </a:solidFill>
-                                <a:latin typeface="Cambria Math" panose="02040503050406030204" pitchFamily="18" charset="0"/>
-                              </a:rPr>
-                              <m:t>+</m:t>
-                            </m:r>
-                          </m:sub>
-                        </m:sSub>
-                        <m:r>
-                          <a:rPr lang="en-US" altLang="zh-TW" sz="1400" b="1" i="1">
-                            <a:solidFill>
-                              <a:schemeClr val="tx1"/>
-                            </a:solidFill>
-                            <a:latin typeface="Cambria Math" panose="02040503050406030204" pitchFamily="18" charset="0"/>
-                          </a:rPr>
-                          <m:t>−</m:t>
-                        </m:r>
-                        <m:sSub>
-                          <m:sSubPr>
-                            <m:ctrlPr>
-                              <a:rPr lang="en-US" altLang="zh-TW" sz="1400" b="1" i="1">
-                                <a:solidFill>
-                                  <a:schemeClr val="tx1"/>
-                                </a:solidFill>
-                                <a:latin typeface="Cambria Math" panose="02040503050406030204" pitchFamily="18" charset="0"/>
-                              </a:rPr>
-                            </m:ctrlPr>
-                          </m:sSubPr>
-                          <m:e>
-                            <m:r>
-                              <a:rPr lang="en-US" altLang="zh-TW" sz="1400" b="1" i="1">
-                                <a:solidFill>
-                                  <a:schemeClr val="tx1"/>
-                                </a:solidFill>
-                                <a:latin typeface="Cambria Math" panose="02040503050406030204" pitchFamily="18" charset="0"/>
-                              </a:rPr>
-                              <m:t>𝑸</m:t>
-                            </m:r>
-                          </m:e>
-                          <m:sub>
-                            <m:r>
                               <a:rPr lang="en-US" altLang="zh-TW" sz="1400" b="1" i="1">
                                 <a:solidFill>
                                   <a:schemeClr val="tx1"/>
@@ -5806,88 +5788,174 @@
                 <a:p>
                   <a:pPr algn="ctr"/>
                   <a14:m>
-                    <m:oMathPara xmlns:m="http://schemas.openxmlformats.org/officeDocument/2006/math">
-                      <m:oMathParaPr>
-                        <m:jc m:val="centerGroup"/>
-                      </m:oMathParaPr>
-                      <m:oMath xmlns:m="http://schemas.openxmlformats.org/officeDocument/2006/math">
-                        <m:sSub>
-                          <m:sSubPr>
-                            <m:ctrlPr>
-                              <a:rPr lang="en-US" altLang="zh-TW" b="1" i="1" smtClean="0">
-                                <a:latin typeface="Cambria Math" panose="02040503050406030204" pitchFamily="18" charset="0"/>
-                              </a:rPr>
-                            </m:ctrlPr>
-                          </m:sSubPr>
-                          <m:e>
-                            <m:r>
-                              <a:rPr lang="en-US" altLang="zh-TW" b="1" i="1" smtClean="0">
-                                <a:latin typeface="Cambria Math" panose="02040503050406030204" pitchFamily="18" charset="0"/>
-                              </a:rPr>
-                              <m:t>𝑺</m:t>
-                            </m:r>
-                          </m:e>
-                          <m:sub>
-                            <m:r>
-                              <a:rPr lang="en-US" altLang="zh-TW" b="1" i="1" smtClean="0">
-                                <a:latin typeface="Cambria Math" panose="02040503050406030204" pitchFamily="18" charset="0"/>
-                              </a:rPr>
-                              <m:t>𝒐𝒃𝒔</m:t>
-                            </m:r>
-                            <m:d>
-                              <m:dPr>
-                                <m:ctrlPr>
-                                  <a:rPr lang="en-US" altLang="zh-TW" b="1" i="1" smtClean="0">
-                                    <a:latin typeface="Cambria Math" panose="02040503050406030204" pitchFamily="18" charset="0"/>
-                                  </a:rPr>
-                                </m:ctrlPr>
-                              </m:dPr>
-                              <m:e>
-                                <m:r>
-                                  <a:rPr lang="en-US" altLang="zh-TW" b="1" i="1" smtClean="0">
-                                    <a:latin typeface="Cambria Math" panose="02040503050406030204" pitchFamily="18" charset="0"/>
-                                  </a:rPr>
-                                  <m:t>𝟐</m:t>
-                                </m:r>
-                              </m:e>
-                            </m:d>
-                          </m:sub>
-                        </m:sSub>
-                        <m:r>
-                          <a:rPr lang="en-US" altLang="zh-TW" b="1" i="1" smtClean="0">
-                            <a:latin typeface="Cambria Math" panose="02040503050406030204" pitchFamily="18" charset="0"/>
-                          </a:rPr>
-                          <m:t>−</m:t>
-                        </m:r>
-                        <m:sSub>
-                          <m:sSubPr>
-                            <m:ctrlPr>
-                              <a:rPr lang="en-US" altLang="zh-TW" b="1" i="1" smtClean="0">
-                                <a:latin typeface="Cambria Math" panose="02040503050406030204" pitchFamily="18" charset="0"/>
-                              </a:rPr>
-                            </m:ctrlPr>
-                          </m:sSubPr>
-                          <m:e>
-                            <m:r>
-                              <a:rPr lang="en-US" altLang="zh-TW" b="1" i="1" smtClean="0">
-                                <a:latin typeface="Cambria Math" panose="02040503050406030204" pitchFamily="18" charset="0"/>
-                              </a:rPr>
-                              <m:t>𝑫</m:t>
-                            </m:r>
-                          </m:e>
-                          <m:sub>
-                            <m:r>
-                              <a:rPr lang="en-US" altLang="zh-TW" b="1" i="1" smtClean="0">
-                                <a:latin typeface="Cambria Math" panose="02040503050406030204" pitchFamily="18" charset="0"/>
-                              </a:rPr>
-                              <m:t>𝟏𝟐</m:t>
-                            </m:r>
-                          </m:sub>
-                        </m:sSub>
-                      </m:oMath>
-                    </m:oMathPara>
+                    <m:oMath xmlns:m="http://schemas.openxmlformats.org/officeDocument/2006/math">
+                      <m:sSub>
+                        <m:sSubPr>
+                          <m:ctrlPr>
+                            <a:rPr lang="en-US" altLang="zh-TW" sz="1300" b="1" i="1" smtClean="0">
+                              <a:solidFill>
+                                <a:schemeClr val="bg1"/>
+                              </a:solidFill>
+                              <a:latin typeface="Cambria Math" panose="02040503050406030204" pitchFamily="18" charset="0"/>
+                            </a:rPr>
+                          </m:ctrlPr>
+                        </m:sSubPr>
+                        <m:e>
+                          <m:r>
+                            <a:rPr lang="en-US" altLang="zh-TW" sz="1300" b="1" i="1" smtClean="0">
+                              <a:solidFill>
+                                <a:schemeClr val="bg1"/>
+                              </a:solidFill>
+                              <a:latin typeface="Cambria Math" panose="02040503050406030204" pitchFamily="18" charset="0"/>
+                            </a:rPr>
+                            <m:t>𝑺</m:t>
+                          </m:r>
+                        </m:e>
+                        <m:sub>
+                          <m:r>
+                            <a:rPr lang="en-US" altLang="zh-TW" sz="1300" b="1" i="1" smtClean="0">
+                              <a:solidFill>
+                                <a:schemeClr val="bg1"/>
+                              </a:solidFill>
+                              <a:latin typeface="Cambria Math" panose="02040503050406030204" pitchFamily="18" charset="0"/>
+                            </a:rPr>
+                            <m:t>𝒐𝒃𝒔</m:t>
+                          </m:r>
+                          <m:d>
+                            <m:dPr>
+                              <m:ctrlPr>
+                                <a:rPr lang="en-US" altLang="zh-TW" sz="1300" b="1" i="1" smtClean="0">
+                                  <a:solidFill>
+                                    <a:schemeClr val="bg1"/>
+                                  </a:solidFill>
+                                  <a:latin typeface="Cambria Math" panose="02040503050406030204" pitchFamily="18" charset="0"/>
+                                </a:rPr>
+                              </m:ctrlPr>
+                            </m:dPr>
+                            <m:e>
+                              <m:r>
+                                <a:rPr lang="en-US" altLang="zh-TW" sz="1300" b="1" i="1" smtClean="0">
+                                  <a:solidFill>
+                                    <a:schemeClr val="bg1"/>
+                                  </a:solidFill>
+                                  <a:latin typeface="Cambria Math" panose="02040503050406030204" pitchFamily="18" charset="0"/>
+                                </a:rPr>
+                                <m:t>𝟐</m:t>
+                              </m:r>
+                            </m:e>
+                          </m:d>
+                        </m:sub>
+                      </m:sSub>
+                      <m:r>
+                        <a:rPr lang="en-US" altLang="zh-TW" sz="1300" b="1" i="1" smtClean="0">
+                          <a:solidFill>
+                            <a:schemeClr val="bg1"/>
+                          </a:solidFill>
+                          <a:latin typeface="Cambria Math" panose="02040503050406030204" pitchFamily="18" charset="0"/>
+                        </a:rPr>
+                        <m:t>−</m:t>
+                      </m:r>
+                      <m:sSub>
+                        <m:sSubPr>
+                          <m:ctrlPr>
+                            <a:rPr lang="en-US" altLang="zh-TW" sz="1300" b="1" i="1" smtClean="0">
+                              <a:solidFill>
+                                <a:schemeClr val="bg1"/>
+                              </a:solidFill>
+                              <a:latin typeface="Cambria Math" panose="02040503050406030204" pitchFamily="18" charset="0"/>
+                            </a:rPr>
+                          </m:ctrlPr>
+                        </m:sSubPr>
+                        <m:e>
+                          <m:r>
+                            <a:rPr lang="en-US" altLang="zh-TW" sz="1300" b="1" i="1" smtClean="0">
+                              <a:solidFill>
+                                <a:schemeClr val="bg1"/>
+                              </a:solidFill>
+                              <a:latin typeface="Cambria Math" panose="02040503050406030204" pitchFamily="18" charset="0"/>
+                            </a:rPr>
+                            <m:t>𝑫</m:t>
+                          </m:r>
+                        </m:e>
+                        <m:sub>
+                          <m:r>
+                            <a:rPr lang="en-US" altLang="zh-TW" sz="1300" b="1" i="1" smtClean="0">
+                              <a:solidFill>
+                                <a:schemeClr val="bg1"/>
+                              </a:solidFill>
+                              <a:latin typeface="Cambria Math" panose="02040503050406030204" pitchFamily="18" charset="0"/>
+                            </a:rPr>
+                            <m:t>𝟏𝟐</m:t>
+                          </m:r>
+                        </m:sub>
+                      </m:sSub>
+                    </m:oMath>
                   </a14:m>
-                  <a:endParaRPr lang="zh-TW" altLang="en-US" b="1" dirty="0"/>
+                  <a:r>
+                    <a:rPr lang="en-US" altLang="zh-TW" sz="1300" b="1" dirty="0">
+                      <a:solidFill>
+                        <a:schemeClr val="bg1"/>
+                      </a:solidFill>
+                    </a:rPr>
+                    <a:t> </a:t>
+                  </a:r>
+                  <a14:m>
+                    <m:oMath xmlns:m="http://schemas.openxmlformats.org/officeDocument/2006/math">
+                      <m:r>
+                        <a:rPr lang="en-US" altLang="zh-TW" sz="1300" b="1" i="1">
+                          <a:solidFill>
+                            <a:schemeClr val="bg1"/>
+                          </a:solidFill>
+                          <a:latin typeface="Cambria Math" panose="02040503050406030204" pitchFamily="18" charset="0"/>
+                        </a:rPr>
+                        <m:t>−</m:t>
+                      </m:r>
+                      <m:sSub>
+                        <m:sSubPr>
+                          <m:ctrlPr>
+                            <a:rPr lang="en-US" altLang="zh-TW" sz="1300" b="1" i="1">
+                              <a:solidFill>
+                                <a:schemeClr val="bg1"/>
+                              </a:solidFill>
+                              <a:latin typeface="Cambria Math" panose="02040503050406030204" pitchFamily="18" charset="0"/>
+                            </a:rPr>
+                          </m:ctrlPr>
+                        </m:sSubPr>
+                        <m:e>
+                          <m:r>
+                            <a:rPr lang="en-US" altLang="zh-TW" sz="1300" b="1" i="1">
+                              <a:solidFill>
+                                <a:schemeClr val="bg1"/>
+                              </a:solidFill>
+                              <a:latin typeface="Cambria Math" panose="02040503050406030204" pitchFamily="18" charset="0"/>
+                            </a:rPr>
+                            <m:t>𝑸</m:t>
+                          </m:r>
+                        </m:e>
+                        <m:sub>
+                          <m:r>
+                            <a:rPr lang="en-US" altLang="zh-TW" sz="1300" b="1" i="1">
+                              <a:solidFill>
+                                <a:schemeClr val="bg1"/>
+                              </a:solidFill>
+                              <a:latin typeface="Cambria Math" panose="02040503050406030204" pitchFamily="18" charset="0"/>
+                            </a:rPr>
+                            <m:t>𝟎</m:t>
+                          </m:r>
+                          <m:r>
+                            <a:rPr lang="en-US" altLang="zh-TW" sz="1300" b="1" i="1">
+                              <a:solidFill>
+                                <a:schemeClr val="bg1"/>
+                              </a:solidFill>
+                              <a:latin typeface="Cambria Math" panose="02040503050406030204" pitchFamily="18" charset="0"/>
+                            </a:rPr>
+                            <m:t>+</m:t>
+                          </m:r>
+                        </m:sub>
+                      </m:sSub>
+                    </m:oMath>
+                  </a14:m>
+                  <a:endParaRPr lang="zh-TW" altLang="en-US" sz="1300" b="1" dirty="0"/>
                 </a:p>
               </p:txBody>
             </p:sp>
@@ -5988,8 +6056,8 @@
             </a:fontRef>
           </p:style>
         </p:cxnSp>
-        <mc:AlternateContent xmlns:mc="http://schemas.openxmlformats.org/markup-compatibility/2006">
-          <mc:Choice xmlns:a14="http://schemas.microsoft.com/office/drawing/2010/main" Requires="a14">
+        <mc:AlternateContent xmlns:mc="http://schemas.openxmlformats.org/markup-compatibility/2006" xmlns:a14="http://schemas.microsoft.com/office/drawing/2010/main">
+          <mc:Choice Requires="a14">
             <p:sp>
               <p:nvSpPr>
                 <p:cNvPr id="28" name="矩形 27">
@@ -6090,7 +6158,7 @@
               </p:txBody>
             </p:sp>
           </mc:Choice>
-          <mc:Fallback>
+          <mc:Fallback xmlns="">
             <p:sp>
               <p:nvSpPr>
                 <p:cNvPr id="28" name="矩形 27">
